--- a/Презентация.pptx
+++ b/Презентация.pptx
@@ -490,7 +490,7 @@
           <p:cNvPr id="2" name="Заголовок 1">
             <a:extLst>
               <a:ext uri="{FF2B5EF4-FFF2-40B4-BE49-F238E27FC236}">
-                <a16:creationId xmlns:a16="http://schemas.microsoft.com/office/drawing/2014/main" xmlns="" id="{C2D5D670-8641-4E5A-A362-0E608137B3DE}"/>
+                <a16:creationId xmlns="" xmlns:a16="http://schemas.microsoft.com/office/drawing/2014/main" id="{C2D5D670-8641-4E5A-A362-0E608137B3DE}"/>
               </a:ext>
             </a:extLst>
           </p:cNvPr>
@@ -528,7 +528,7 @@
           <p:cNvPr id="3" name="Подзаголовок 2">
             <a:extLst>
               <a:ext uri="{FF2B5EF4-FFF2-40B4-BE49-F238E27FC236}">
-                <a16:creationId xmlns:a16="http://schemas.microsoft.com/office/drawing/2014/main" xmlns="" id="{400EC212-0AEF-431D-B3B6-30F26EADAD56}"/>
+                <a16:creationId xmlns="" xmlns:a16="http://schemas.microsoft.com/office/drawing/2014/main" id="{400EC212-0AEF-431D-B3B6-30F26EADAD56}"/>
               </a:ext>
             </a:extLst>
           </p:cNvPr>
@@ -599,7 +599,7 @@
           <p:cNvPr id="4" name="Дата 3">
             <a:extLst>
               <a:ext uri="{FF2B5EF4-FFF2-40B4-BE49-F238E27FC236}">
-                <a16:creationId xmlns:a16="http://schemas.microsoft.com/office/drawing/2014/main" xmlns="" id="{DED38706-0504-4AB4-A187-22D20A2989F1}"/>
+                <a16:creationId xmlns="" xmlns:a16="http://schemas.microsoft.com/office/drawing/2014/main" id="{DED38706-0504-4AB4-A187-22D20A2989F1}"/>
               </a:ext>
             </a:extLst>
           </p:cNvPr>
@@ -628,7 +628,7 @@
           <p:cNvPr id="5" name="Нижний колонтитул 4">
             <a:extLst>
               <a:ext uri="{FF2B5EF4-FFF2-40B4-BE49-F238E27FC236}">
-                <a16:creationId xmlns:a16="http://schemas.microsoft.com/office/drawing/2014/main" xmlns="" id="{2772BD0D-7990-432B-823C-560DB007F73B}"/>
+                <a16:creationId xmlns="" xmlns:a16="http://schemas.microsoft.com/office/drawing/2014/main" id="{2772BD0D-7990-432B-823C-560DB007F73B}"/>
               </a:ext>
             </a:extLst>
           </p:cNvPr>
@@ -653,7 +653,7 @@
           <p:cNvPr id="6" name="Номер слайда 5">
             <a:extLst>
               <a:ext uri="{FF2B5EF4-FFF2-40B4-BE49-F238E27FC236}">
-                <a16:creationId xmlns:a16="http://schemas.microsoft.com/office/drawing/2014/main" xmlns="" id="{3C326BDB-D26D-4378-B30A-13E75552D82C}"/>
+                <a16:creationId xmlns="" xmlns:a16="http://schemas.microsoft.com/office/drawing/2014/main" id="{3C326BDB-D26D-4378-B30A-13E75552D82C}"/>
               </a:ext>
             </a:extLst>
           </p:cNvPr>
@@ -724,7 +724,7 @@
           <p:cNvPr id="2" name="Заголовок 1">
             <a:extLst>
               <a:ext uri="{FF2B5EF4-FFF2-40B4-BE49-F238E27FC236}">
-                <a16:creationId xmlns:a16="http://schemas.microsoft.com/office/drawing/2014/main" xmlns="" id="{B77C16C2-5329-4C22-8673-8E252CADE2F6}"/>
+                <a16:creationId xmlns="" xmlns:a16="http://schemas.microsoft.com/office/drawing/2014/main" id="{B77C16C2-5329-4C22-8673-8E252CADE2F6}"/>
               </a:ext>
             </a:extLst>
           </p:cNvPr>
@@ -752,7 +752,7 @@
           <p:cNvPr id="3" name="Вертикальный текст 2">
             <a:extLst>
               <a:ext uri="{FF2B5EF4-FFF2-40B4-BE49-F238E27FC236}">
-                <a16:creationId xmlns:a16="http://schemas.microsoft.com/office/drawing/2014/main" xmlns="" id="{3682DE4A-AF4A-46F2-AC60-5DFEAA2C7A07}"/>
+                <a16:creationId xmlns="" xmlns:a16="http://schemas.microsoft.com/office/drawing/2014/main" id="{3682DE4A-AF4A-46F2-AC60-5DFEAA2C7A07}"/>
               </a:ext>
             </a:extLst>
           </p:cNvPr>
@@ -809,7 +809,7 @@
           <p:cNvPr id="4" name="Дата 3">
             <a:extLst>
               <a:ext uri="{FF2B5EF4-FFF2-40B4-BE49-F238E27FC236}">
-                <a16:creationId xmlns:a16="http://schemas.microsoft.com/office/drawing/2014/main" xmlns="" id="{D23F19E7-97DB-4CF1-9C2A-0B0CB8A09883}"/>
+                <a16:creationId xmlns="" xmlns:a16="http://schemas.microsoft.com/office/drawing/2014/main" id="{D23F19E7-97DB-4CF1-9C2A-0B0CB8A09883}"/>
               </a:ext>
             </a:extLst>
           </p:cNvPr>
@@ -838,7 +838,7 @@
           <p:cNvPr id="5" name="Нижний колонтитул 4">
             <a:extLst>
               <a:ext uri="{FF2B5EF4-FFF2-40B4-BE49-F238E27FC236}">
-                <a16:creationId xmlns:a16="http://schemas.microsoft.com/office/drawing/2014/main" xmlns="" id="{2690CA9B-6757-4E11-A570-F17CC9018F7F}"/>
+                <a16:creationId xmlns="" xmlns:a16="http://schemas.microsoft.com/office/drawing/2014/main" id="{2690CA9B-6757-4E11-A570-F17CC9018F7F}"/>
               </a:ext>
             </a:extLst>
           </p:cNvPr>
@@ -863,7 +863,7 @@
           <p:cNvPr id="6" name="Номер слайда 5">
             <a:extLst>
               <a:ext uri="{FF2B5EF4-FFF2-40B4-BE49-F238E27FC236}">
-                <a16:creationId xmlns:a16="http://schemas.microsoft.com/office/drawing/2014/main" xmlns="" id="{1291B53B-32A1-4C66-AA07-4F85EFB777F3}"/>
+                <a16:creationId xmlns="" xmlns:a16="http://schemas.microsoft.com/office/drawing/2014/main" id="{1291B53B-32A1-4C66-AA07-4F85EFB777F3}"/>
               </a:ext>
             </a:extLst>
           </p:cNvPr>
@@ -934,7 +934,7 @@
           <p:cNvPr id="2" name="Вертикальный заголовок 1">
             <a:extLst>
               <a:ext uri="{FF2B5EF4-FFF2-40B4-BE49-F238E27FC236}">
-                <a16:creationId xmlns:a16="http://schemas.microsoft.com/office/drawing/2014/main" xmlns="" id="{B0BF84FF-1914-4217-A85A-47E75977114D}"/>
+                <a16:creationId xmlns="" xmlns:a16="http://schemas.microsoft.com/office/drawing/2014/main" id="{B0BF84FF-1914-4217-A85A-47E75977114D}"/>
               </a:ext>
             </a:extLst>
           </p:cNvPr>
@@ -967,7 +967,7 @@
           <p:cNvPr id="3" name="Вертикальный текст 2">
             <a:extLst>
               <a:ext uri="{FF2B5EF4-FFF2-40B4-BE49-F238E27FC236}">
-                <a16:creationId xmlns:a16="http://schemas.microsoft.com/office/drawing/2014/main" xmlns="" id="{4823E4C5-1868-479B-A03B-0F328EC8C69F}"/>
+                <a16:creationId xmlns="" xmlns:a16="http://schemas.microsoft.com/office/drawing/2014/main" id="{4823E4C5-1868-479B-A03B-0F328EC8C69F}"/>
               </a:ext>
             </a:extLst>
           </p:cNvPr>
@@ -1029,7 +1029,7 @@
           <p:cNvPr id="4" name="Дата 3">
             <a:extLst>
               <a:ext uri="{FF2B5EF4-FFF2-40B4-BE49-F238E27FC236}">
-                <a16:creationId xmlns:a16="http://schemas.microsoft.com/office/drawing/2014/main" xmlns="" id="{F021AC3C-5DB7-4487-9A97-44F15C705E6A}"/>
+                <a16:creationId xmlns="" xmlns:a16="http://schemas.microsoft.com/office/drawing/2014/main" id="{F021AC3C-5DB7-4487-9A97-44F15C705E6A}"/>
               </a:ext>
             </a:extLst>
           </p:cNvPr>
@@ -1058,7 +1058,7 @@
           <p:cNvPr id="5" name="Нижний колонтитул 4">
             <a:extLst>
               <a:ext uri="{FF2B5EF4-FFF2-40B4-BE49-F238E27FC236}">
-                <a16:creationId xmlns:a16="http://schemas.microsoft.com/office/drawing/2014/main" xmlns="" id="{1734F265-1FF5-4BC0-AA34-1B9EBB8B8C79}"/>
+                <a16:creationId xmlns="" xmlns:a16="http://schemas.microsoft.com/office/drawing/2014/main" id="{1734F265-1FF5-4BC0-AA34-1B9EBB8B8C79}"/>
               </a:ext>
             </a:extLst>
           </p:cNvPr>
@@ -1083,7 +1083,7 @@
           <p:cNvPr id="6" name="Номер слайда 5">
             <a:extLst>
               <a:ext uri="{FF2B5EF4-FFF2-40B4-BE49-F238E27FC236}">
-                <a16:creationId xmlns:a16="http://schemas.microsoft.com/office/drawing/2014/main" xmlns="" id="{D976772C-5032-4569-9B4F-E2D70B472E8C}"/>
+                <a16:creationId xmlns="" xmlns:a16="http://schemas.microsoft.com/office/drawing/2014/main" id="{D976772C-5032-4569-9B4F-E2D70B472E8C}"/>
               </a:ext>
             </a:extLst>
           </p:cNvPr>
@@ -1154,7 +1154,7 @@
           <p:cNvPr id="2" name="Заголовок 1">
             <a:extLst>
               <a:ext uri="{FF2B5EF4-FFF2-40B4-BE49-F238E27FC236}">
-                <a16:creationId xmlns:a16="http://schemas.microsoft.com/office/drawing/2014/main" xmlns="" id="{7C41969C-FDD2-44AA-A855-74317644FE5D}"/>
+                <a16:creationId xmlns="" xmlns:a16="http://schemas.microsoft.com/office/drawing/2014/main" id="{7C41969C-FDD2-44AA-A855-74317644FE5D}"/>
               </a:ext>
             </a:extLst>
           </p:cNvPr>
@@ -1189,7 +1189,7 @@
           <p:cNvPr id="3" name="Объект 2">
             <a:extLst>
               <a:ext uri="{FF2B5EF4-FFF2-40B4-BE49-F238E27FC236}">
-                <a16:creationId xmlns:a16="http://schemas.microsoft.com/office/drawing/2014/main" xmlns="" id="{B65C1AA0-B993-45FE-9541-29ED1A9D7301}"/>
+                <a16:creationId xmlns="" xmlns:a16="http://schemas.microsoft.com/office/drawing/2014/main" id="{B65C1AA0-B993-45FE-9541-29ED1A9D7301}"/>
               </a:ext>
             </a:extLst>
           </p:cNvPr>
@@ -1283,7 +1283,7 @@
           <p:cNvPr id="4" name="Дата 3">
             <a:extLst>
               <a:ext uri="{FF2B5EF4-FFF2-40B4-BE49-F238E27FC236}">
-                <a16:creationId xmlns:a16="http://schemas.microsoft.com/office/drawing/2014/main" xmlns="" id="{1B039064-183B-41C3-AD2D-839A3D67A270}"/>
+                <a16:creationId xmlns="" xmlns:a16="http://schemas.microsoft.com/office/drawing/2014/main" id="{1B039064-183B-41C3-AD2D-839A3D67A270}"/>
               </a:ext>
             </a:extLst>
           </p:cNvPr>
@@ -1319,7 +1319,7 @@
           <p:cNvPr id="5" name="Нижний колонтитул 4">
             <a:extLst>
               <a:ext uri="{FF2B5EF4-FFF2-40B4-BE49-F238E27FC236}">
-                <a16:creationId xmlns:a16="http://schemas.microsoft.com/office/drawing/2014/main" xmlns="" id="{1A717961-C049-4C8D-B9C1-B7D87F0ACA8A}"/>
+                <a16:creationId xmlns="" xmlns:a16="http://schemas.microsoft.com/office/drawing/2014/main" id="{1A717961-C049-4C8D-B9C1-B7D87F0ACA8A}"/>
               </a:ext>
             </a:extLst>
           </p:cNvPr>
@@ -1350,7 +1350,7 @@
           <p:cNvPr id="6" name="Номер слайда 5">
             <a:extLst>
               <a:ext uri="{FF2B5EF4-FFF2-40B4-BE49-F238E27FC236}">
-                <a16:creationId xmlns:a16="http://schemas.microsoft.com/office/drawing/2014/main" xmlns="" id="{283E585D-75D8-4667-A86E-F1D86D1C8F5E}"/>
+                <a16:creationId xmlns="" xmlns:a16="http://schemas.microsoft.com/office/drawing/2014/main" id="{283E585D-75D8-4667-A86E-F1D86D1C8F5E}"/>
               </a:ext>
             </a:extLst>
           </p:cNvPr>
@@ -1428,7 +1428,7 @@
           <p:cNvPr id="2" name="Заголовок 1">
             <a:extLst>
               <a:ext uri="{FF2B5EF4-FFF2-40B4-BE49-F238E27FC236}">
-                <a16:creationId xmlns:a16="http://schemas.microsoft.com/office/drawing/2014/main" xmlns="" id="{AA7FD6B0-376F-4EC3-9183-3DAD593FA790}"/>
+                <a16:creationId xmlns="" xmlns:a16="http://schemas.microsoft.com/office/drawing/2014/main" id="{AA7FD6B0-376F-4EC3-9183-3DAD593FA790}"/>
               </a:ext>
             </a:extLst>
           </p:cNvPr>
@@ -1468,7 +1468,7 @@
           <p:cNvPr id="3" name="Текст 2">
             <a:extLst>
               <a:ext uri="{FF2B5EF4-FFF2-40B4-BE49-F238E27FC236}">
-                <a16:creationId xmlns:a16="http://schemas.microsoft.com/office/drawing/2014/main" xmlns="" id="{1E26FB8F-F091-44F2-AFD7-BF552433EEA5}"/>
+                <a16:creationId xmlns="" xmlns:a16="http://schemas.microsoft.com/office/drawing/2014/main" id="{1E26FB8F-F091-44F2-AFD7-BF552433EEA5}"/>
               </a:ext>
             </a:extLst>
           </p:cNvPr>
@@ -1594,7 +1594,7 @@
           <p:cNvPr id="4" name="Дата 3">
             <a:extLst>
               <a:ext uri="{FF2B5EF4-FFF2-40B4-BE49-F238E27FC236}">
-                <a16:creationId xmlns:a16="http://schemas.microsoft.com/office/drawing/2014/main" xmlns="" id="{BA1ADE7D-0E45-4AC4-80C8-E12598A1ED1A}"/>
+                <a16:creationId xmlns="" xmlns:a16="http://schemas.microsoft.com/office/drawing/2014/main" id="{BA1ADE7D-0E45-4AC4-80C8-E12598A1ED1A}"/>
               </a:ext>
             </a:extLst>
           </p:cNvPr>
@@ -1630,7 +1630,7 @@
           <p:cNvPr id="5" name="Нижний колонтитул 4">
             <a:extLst>
               <a:ext uri="{FF2B5EF4-FFF2-40B4-BE49-F238E27FC236}">
-                <a16:creationId xmlns:a16="http://schemas.microsoft.com/office/drawing/2014/main" xmlns="" id="{6B04F565-D588-4B75-A308-E83ED0D217D8}"/>
+                <a16:creationId xmlns="" xmlns:a16="http://schemas.microsoft.com/office/drawing/2014/main" id="{6B04F565-D588-4B75-A308-E83ED0D217D8}"/>
               </a:ext>
             </a:extLst>
           </p:cNvPr>
@@ -1661,7 +1661,7 @@
           <p:cNvPr id="6" name="Номер слайда 5">
             <a:extLst>
               <a:ext uri="{FF2B5EF4-FFF2-40B4-BE49-F238E27FC236}">
-                <a16:creationId xmlns:a16="http://schemas.microsoft.com/office/drawing/2014/main" xmlns="" id="{C803FFF4-56E0-4B45-AC1E-D1A04BADD5DB}"/>
+                <a16:creationId xmlns="" xmlns:a16="http://schemas.microsoft.com/office/drawing/2014/main" id="{C803FFF4-56E0-4B45-AC1E-D1A04BADD5DB}"/>
               </a:ext>
             </a:extLst>
           </p:cNvPr>
@@ -1739,7 +1739,7 @@
           <p:cNvPr id="2" name="Заголовок 1">
             <a:extLst>
               <a:ext uri="{FF2B5EF4-FFF2-40B4-BE49-F238E27FC236}">
-                <a16:creationId xmlns:a16="http://schemas.microsoft.com/office/drawing/2014/main" xmlns="" id="{529D17C3-64C4-4C4D-B7C5-4BCE333284EE}"/>
+                <a16:creationId xmlns="" xmlns:a16="http://schemas.microsoft.com/office/drawing/2014/main" id="{529D17C3-64C4-4C4D-B7C5-4BCE333284EE}"/>
               </a:ext>
             </a:extLst>
           </p:cNvPr>
@@ -1773,7 +1773,7 @@
           <p:cNvPr id="3" name="Объект 2">
             <a:extLst>
               <a:ext uri="{FF2B5EF4-FFF2-40B4-BE49-F238E27FC236}">
-                <a16:creationId xmlns:a16="http://schemas.microsoft.com/office/drawing/2014/main" xmlns="" id="{9FC8DC33-9A36-4F68-B54D-BE4F3E81F2D2}"/>
+                <a16:creationId xmlns="" xmlns:a16="http://schemas.microsoft.com/office/drawing/2014/main" id="{9FC8DC33-9A36-4F68-B54D-BE4F3E81F2D2}"/>
               </a:ext>
             </a:extLst>
           </p:cNvPr>
@@ -1861,7 +1861,7 @@
           <p:cNvPr id="4" name="Объект 3">
             <a:extLst>
               <a:ext uri="{FF2B5EF4-FFF2-40B4-BE49-F238E27FC236}">
-                <a16:creationId xmlns:a16="http://schemas.microsoft.com/office/drawing/2014/main" xmlns="" id="{0D8CD0EF-BE4A-4524-BA1E-6F39A184817C}"/>
+                <a16:creationId xmlns="" xmlns:a16="http://schemas.microsoft.com/office/drawing/2014/main" id="{0D8CD0EF-BE4A-4524-BA1E-6F39A184817C}"/>
               </a:ext>
             </a:extLst>
           </p:cNvPr>
@@ -1949,7 +1949,7 @@
           <p:cNvPr id="5" name="Дата 4">
             <a:extLst>
               <a:ext uri="{FF2B5EF4-FFF2-40B4-BE49-F238E27FC236}">
-                <a16:creationId xmlns:a16="http://schemas.microsoft.com/office/drawing/2014/main" xmlns="" id="{26DA79B1-9B10-4E75-8DA8-23239B4A79E7}"/>
+                <a16:creationId xmlns="" xmlns:a16="http://schemas.microsoft.com/office/drawing/2014/main" id="{26DA79B1-9B10-4E75-8DA8-23239B4A79E7}"/>
               </a:ext>
             </a:extLst>
           </p:cNvPr>
@@ -1985,7 +1985,7 @@
           <p:cNvPr id="6" name="Нижний колонтитул 5">
             <a:extLst>
               <a:ext uri="{FF2B5EF4-FFF2-40B4-BE49-F238E27FC236}">
-                <a16:creationId xmlns:a16="http://schemas.microsoft.com/office/drawing/2014/main" xmlns="" id="{3BE18EA5-B13F-44E2-9B06-7F2FD6E5E8C5}"/>
+                <a16:creationId xmlns="" xmlns:a16="http://schemas.microsoft.com/office/drawing/2014/main" id="{3BE18EA5-B13F-44E2-9B06-7F2FD6E5E8C5}"/>
               </a:ext>
             </a:extLst>
           </p:cNvPr>
@@ -2016,7 +2016,7 @@
           <p:cNvPr id="7" name="Номер слайда 6">
             <a:extLst>
               <a:ext uri="{FF2B5EF4-FFF2-40B4-BE49-F238E27FC236}">
-                <a16:creationId xmlns:a16="http://schemas.microsoft.com/office/drawing/2014/main" xmlns="" id="{42F9515D-2080-4C13-9969-7039013F5DB4}"/>
+                <a16:creationId xmlns="" xmlns:a16="http://schemas.microsoft.com/office/drawing/2014/main" id="{42F9515D-2080-4C13-9969-7039013F5DB4}"/>
               </a:ext>
             </a:extLst>
           </p:cNvPr>
@@ -2094,7 +2094,7 @@
           <p:cNvPr id="2" name="Заголовок 1">
             <a:extLst>
               <a:ext uri="{FF2B5EF4-FFF2-40B4-BE49-F238E27FC236}">
-                <a16:creationId xmlns:a16="http://schemas.microsoft.com/office/drawing/2014/main" xmlns="" id="{1EEE590C-E87D-49A2-A8E0-29F227BB947B}"/>
+                <a16:creationId xmlns="" xmlns:a16="http://schemas.microsoft.com/office/drawing/2014/main" id="{1EEE590C-E87D-49A2-A8E0-29F227BB947B}"/>
               </a:ext>
             </a:extLst>
           </p:cNvPr>
@@ -2127,7 +2127,7 @@
           <p:cNvPr id="3" name="Текст 2">
             <a:extLst>
               <a:ext uri="{FF2B5EF4-FFF2-40B4-BE49-F238E27FC236}">
-                <a16:creationId xmlns:a16="http://schemas.microsoft.com/office/drawing/2014/main" xmlns="" id="{1933E918-108A-4E7F-9B63-53EDFDFF2EEA}"/>
+                <a16:creationId xmlns="" xmlns:a16="http://schemas.microsoft.com/office/drawing/2014/main" id="{1933E918-108A-4E7F-9B63-53EDFDFF2EEA}"/>
               </a:ext>
             </a:extLst>
           </p:cNvPr>
@@ -2198,7 +2198,7 @@
           <p:cNvPr id="4" name="Объект 3">
             <a:extLst>
               <a:ext uri="{FF2B5EF4-FFF2-40B4-BE49-F238E27FC236}">
-                <a16:creationId xmlns:a16="http://schemas.microsoft.com/office/drawing/2014/main" xmlns="" id="{85DFA8EC-C625-4CEB-8EBB-020CF888B8AB}"/>
+                <a16:creationId xmlns="" xmlns:a16="http://schemas.microsoft.com/office/drawing/2014/main" id="{85DFA8EC-C625-4CEB-8EBB-020CF888B8AB}"/>
               </a:ext>
             </a:extLst>
           </p:cNvPr>
@@ -2260,7 +2260,7 @@
           <p:cNvPr id="5" name="Текст 4">
             <a:extLst>
               <a:ext uri="{FF2B5EF4-FFF2-40B4-BE49-F238E27FC236}">
-                <a16:creationId xmlns:a16="http://schemas.microsoft.com/office/drawing/2014/main" xmlns="" id="{40829391-3D43-4153-9B3C-78BB7A3A251C}"/>
+                <a16:creationId xmlns="" xmlns:a16="http://schemas.microsoft.com/office/drawing/2014/main" id="{40829391-3D43-4153-9B3C-78BB7A3A251C}"/>
               </a:ext>
             </a:extLst>
           </p:cNvPr>
@@ -2331,7 +2331,7 @@
           <p:cNvPr id="6" name="Объект 5">
             <a:extLst>
               <a:ext uri="{FF2B5EF4-FFF2-40B4-BE49-F238E27FC236}">
-                <a16:creationId xmlns:a16="http://schemas.microsoft.com/office/drawing/2014/main" xmlns="" id="{21413F79-C170-4B61-86FD-08F049A8908B}"/>
+                <a16:creationId xmlns="" xmlns:a16="http://schemas.microsoft.com/office/drawing/2014/main" id="{21413F79-C170-4B61-86FD-08F049A8908B}"/>
               </a:ext>
             </a:extLst>
           </p:cNvPr>
@@ -2393,7 +2393,7 @@
           <p:cNvPr id="7" name="Дата 6">
             <a:extLst>
               <a:ext uri="{FF2B5EF4-FFF2-40B4-BE49-F238E27FC236}">
-                <a16:creationId xmlns:a16="http://schemas.microsoft.com/office/drawing/2014/main" xmlns="" id="{973B9FFF-33EC-4513-BB18-B6EA4E38C507}"/>
+                <a16:creationId xmlns="" xmlns:a16="http://schemas.microsoft.com/office/drawing/2014/main" id="{973B9FFF-33EC-4513-BB18-B6EA4E38C507}"/>
               </a:ext>
             </a:extLst>
           </p:cNvPr>
@@ -2422,7 +2422,7 @@
           <p:cNvPr id="8" name="Нижний колонтитул 7">
             <a:extLst>
               <a:ext uri="{FF2B5EF4-FFF2-40B4-BE49-F238E27FC236}">
-                <a16:creationId xmlns:a16="http://schemas.microsoft.com/office/drawing/2014/main" xmlns="" id="{3C29CF27-0A6F-4392-B5E5-338620451848}"/>
+                <a16:creationId xmlns="" xmlns:a16="http://schemas.microsoft.com/office/drawing/2014/main" id="{3C29CF27-0A6F-4392-B5E5-338620451848}"/>
               </a:ext>
             </a:extLst>
           </p:cNvPr>
@@ -2447,7 +2447,7 @@
           <p:cNvPr id="9" name="Номер слайда 8">
             <a:extLst>
               <a:ext uri="{FF2B5EF4-FFF2-40B4-BE49-F238E27FC236}">
-                <a16:creationId xmlns:a16="http://schemas.microsoft.com/office/drawing/2014/main" xmlns="" id="{0E80A68B-D79A-4E1A-90AD-AB294811E89C}"/>
+                <a16:creationId xmlns="" xmlns:a16="http://schemas.microsoft.com/office/drawing/2014/main" id="{0E80A68B-D79A-4E1A-90AD-AB294811E89C}"/>
               </a:ext>
             </a:extLst>
           </p:cNvPr>
@@ -2518,7 +2518,7 @@
           <p:cNvPr id="2" name="Заголовок 1">
             <a:extLst>
               <a:ext uri="{FF2B5EF4-FFF2-40B4-BE49-F238E27FC236}">
-                <a16:creationId xmlns:a16="http://schemas.microsoft.com/office/drawing/2014/main" xmlns="" id="{2AD5E2F9-1461-4734-AFD6-75998C7C0545}"/>
+                <a16:creationId xmlns="" xmlns:a16="http://schemas.microsoft.com/office/drawing/2014/main" id="{2AD5E2F9-1461-4734-AFD6-75998C7C0545}"/>
               </a:ext>
             </a:extLst>
           </p:cNvPr>
@@ -2546,7 +2546,7 @@
           <p:cNvPr id="3" name="Дата 2">
             <a:extLst>
               <a:ext uri="{FF2B5EF4-FFF2-40B4-BE49-F238E27FC236}">
-                <a16:creationId xmlns:a16="http://schemas.microsoft.com/office/drawing/2014/main" xmlns="" id="{76FA57AD-8F12-4C20-8A7C-99B2A94FAB8F}"/>
+                <a16:creationId xmlns="" xmlns:a16="http://schemas.microsoft.com/office/drawing/2014/main" id="{76FA57AD-8F12-4C20-8A7C-99B2A94FAB8F}"/>
               </a:ext>
             </a:extLst>
           </p:cNvPr>
@@ -2575,7 +2575,7 @@
           <p:cNvPr id="4" name="Нижний колонтитул 3">
             <a:extLst>
               <a:ext uri="{FF2B5EF4-FFF2-40B4-BE49-F238E27FC236}">
-                <a16:creationId xmlns:a16="http://schemas.microsoft.com/office/drawing/2014/main" xmlns="" id="{BE3ECC9A-8807-4B7E-A718-DEB7E3A90ABB}"/>
+                <a16:creationId xmlns="" xmlns:a16="http://schemas.microsoft.com/office/drawing/2014/main" id="{BE3ECC9A-8807-4B7E-A718-DEB7E3A90ABB}"/>
               </a:ext>
             </a:extLst>
           </p:cNvPr>
@@ -2600,7 +2600,7 @@
           <p:cNvPr id="5" name="Номер слайда 4">
             <a:extLst>
               <a:ext uri="{FF2B5EF4-FFF2-40B4-BE49-F238E27FC236}">
-                <a16:creationId xmlns:a16="http://schemas.microsoft.com/office/drawing/2014/main" xmlns="" id="{83318A3A-777D-4830-ADE1-F6774B5DCC20}"/>
+                <a16:creationId xmlns="" xmlns:a16="http://schemas.microsoft.com/office/drawing/2014/main" id="{83318A3A-777D-4830-ADE1-F6774B5DCC20}"/>
               </a:ext>
             </a:extLst>
           </p:cNvPr>
@@ -2671,7 +2671,7 @@
           <p:cNvPr id="2" name="Дата 1">
             <a:extLst>
               <a:ext uri="{FF2B5EF4-FFF2-40B4-BE49-F238E27FC236}">
-                <a16:creationId xmlns:a16="http://schemas.microsoft.com/office/drawing/2014/main" xmlns="" id="{E7588702-3EB6-4FE6-A599-DF23DD374983}"/>
+                <a16:creationId xmlns="" xmlns:a16="http://schemas.microsoft.com/office/drawing/2014/main" id="{E7588702-3EB6-4FE6-A599-DF23DD374983}"/>
               </a:ext>
             </a:extLst>
           </p:cNvPr>
@@ -2700,7 +2700,7 @@
           <p:cNvPr id="3" name="Нижний колонтитул 2">
             <a:extLst>
               <a:ext uri="{FF2B5EF4-FFF2-40B4-BE49-F238E27FC236}">
-                <a16:creationId xmlns:a16="http://schemas.microsoft.com/office/drawing/2014/main" xmlns="" id="{EAD5E791-D1F4-4AA3-84B6-0E2F319B2FE7}"/>
+                <a16:creationId xmlns="" xmlns:a16="http://schemas.microsoft.com/office/drawing/2014/main" id="{EAD5E791-D1F4-4AA3-84B6-0E2F319B2FE7}"/>
               </a:ext>
             </a:extLst>
           </p:cNvPr>
@@ -2725,7 +2725,7 @@
           <p:cNvPr id="4" name="Номер слайда 3">
             <a:extLst>
               <a:ext uri="{FF2B5EF4-FFF2-40B4-BE49-F238E27FC236}">
-                <a16:creationId xmlns:a16="http://schemas.microsoft.com/office/drawing/2014/main" xmlns="" id="{B5142DD8-BF73-45BF-96B1-1C14431A11FC}"/>
+                <a16:creationId xmlns="" xmlns:a16="http://schemas.microsoft.com/office/drawing/2014/main" id="{B5142DD8-BF73-45BF-96B1-1C14431A11FC}"/>
               </a:ext>
             </a:extLst>
           </p:cNvPr>
@@ -2796,7 +2796,7 @@
           <p:cNvPr id="2" name="Заголовок 1">
             <a:extLst>
               <a:ext uri="{FF2B5EF4-FFF2-40B4-BE49-F238E27FC236}">
-                <a16:creationId xmlns:a16="http://schemas.microsoft.com/office/drawing/2014/main" xmlns="" id="{0E5833BE-8153-4E1A-881E-1024BEE8EA59}"/>
+                <a16:creationId xmlns="" xmlns:a16="http://schemas.microsoft.com/office/drawing/2014/main" id="{0E5833BE-8153-4E1A-881E-1024BEE8EA59}"/>
               </a:ext>
             </a:extLst>
           </p:cNvPr>
@@ -2833,7 +2833,7 @@
           <p:cNvPr id="3" name="Объект 2">
             <a:extLst>
               <a:ext uri="{FF2B5EF4-FFF2-40B4-BE49-F238E27FC236}">
-                <a16:creationId xmlns:a16="http://schemas.microsoft.com/office/drawing/2014/main" xmlns="" id="{27160DFD-BAB2-4E3B-BE0A-12B4EB067D55}"/>
+                <a16:creationId xmlns="" xmlns:a16="http://schemas.microsoft.com/office/drawing/2014/main" id="{27160DFD-BAB2-4E3B-BE0A-12B4EB067D55}"/>
               </a:ext>
             </a:extLst>
           </p:cNvPr>
@@ -2923,7 +2923,7 @@
           <p:cNvPr id="4" name="Текст 3">
             <a:extLst>
               <a:ext uri="{FF2B5EF4-FFF2-40B4-BE49-F238E27FC236}">
-                <a16:creationId xmlns:a16="http://schemas.microsoft.com/office/drawing/2014/main" xmlns="" id="{6DD01F22-4B82-47C3-B78C-5D0CF8F1FC2D}"/>
+                <a16:creationId xmlns="" xmlns:a16="http://schemas.microsoft.com/office/drawing/2014/main" id="{6DD01F22-4B82-47C3-B78C-5D0CF8F1FC2D}"/>
               </a:ext>
             </a:extLst>
           </p:cNvPr>
@@ -2994,7 +2994,7 @@
           <p:cNvPr id="5" name="Дата 4">
             <a:extLst>
               <a:ext uri="{FF2B5EF4-FFF2-40B4-BE49-F238E27FC236}">
-                <a16:creationId xmlns:a16="http://schemas.microsoft.com/office/drawing/2014/main" xmlns="" id="{3B4C2AC9-D074-480C-9A70-33ADC46BBAF5}"/>
+                <a16:creationId xmlns="" xmlns:a16="http://schemas.microsoft.com/office/drawing/2014/main" id="{3B4C2AC9-D074-480C-9A70-33ADC46BBAF5}"/>
               </a:ext>
             </a:extLst>
           </p:cNvPr>
@@ -3023,7 +3023,7 @@
           <p:cNvPr id="6" name="Нижний колонтитул 5">
             <a:extLst>
               <a:ext uri="{FF2B5EF4-FFF2-40B4-BE49-F238E27FC236}">
-                <a16:creationId xmlns:a16="http://schemas.microsoft.com/office/drawing/2014/main" xmlns="" id="{79BDB080-36C2-4E35-A6EF-4B31015AFE08}"/>
+                <a16:creationId xmlns="" xmlns:a16="http://schemas.microsoft.com/office/drawing/2014/main" id="{79BDB080-36C2-4E35-A6EF-4B31015AFE08}"/>
               </a:ext>
             </a:extLst>
           </p:cNvPr>
@@ -3048,7 +3048,7 @@
           <p:cNvPr id="7" name="Номер слайда 6">
             <a:extLst>
               <a:ext uri="{FF2B5EF4-FFF2-40B4-BE49-F238E27FC236}">
-                <a16:creationId xmlns:a16="http://schemas.microsoft.com/office/drawing/2014/main" xmlns="" id="{52E6AEE2-2B40-464B-876F-3811A9EEAB28}"/>
+                <a16:creationId xmlns="" xmlns:a16="http://schemas.microsoft.com/office/drawing/2014/main" id="{52E6AEE2-2B40-464B-876F-3811A9EEAB28}"/>
               </a:ext>
             </a:extLst>
           </p:cNvPr>
@@ -3119,7 +3119,7 @@
           <p:cNvPr id="2" name="Заголовок 1">
             <a:extLst>
               <a:ext uri="{FF2B5EF4-FFF2-40B4-BE49-F238E27FC236}">
-                <a16:creationId xmlns:a16="http://schemas.microsoft.com/office/drawing/2014/main" xmlns="" id="{756C63B4-CB91-4784-A089-6501438E6A65}"/>
+                <a16:creationId xmlns="" xmlns:a16="http://schemas.microsoft.com/office/drawing/2014/main" id="{756C63B4-CB91-4784-A089-6501438E6A65}"/>
               </a:ext>
             </a:extLst>
           </p:cNvPr>
@@ -3156,7 +3156,7 @@
           <p:cNvPr id="3" name="Рисунок 2">
             <a:extLst>
               <a:ext uri="{FF2B5EF4-FFF2-40B4-BE49-F238E27FC236}">
-                <a16:creationId xmlns:a16="http://schemas.microsoft.com/office/drawing/2014/main" xmlns="" id="{F791F238-3F0F-464A-89E5-3D0451224B3A}"/>
+                <a16:creationId xmlns="" xmlns:a16="http://schemas.microsoft.com/office/drawing/2014/main" id="{F791F238-3F0F-464A-89E5-3D0451224B3A}"/>
               </a:ext>
             </a:extLst>
           </p:cNvPr>
@@ -3226,7 +3226,7 @@
           <p:cNvPr id="4" name="Текст 3">
             <a:extLst>
               <a:ext uri="{FF2B5EF4-FFF2-40B4-BE49-F238E27FC236}">
-                <a16:creationId xmlns:a16="http://schemas.microsoft.com/office/drawing/2014/main" xmlns="" id="{8AC9666C-4B76-4579-B410-98A01305AD82}"/>
+                <a16:creationId xmlns="" xmlns:a16="http://schemas.microsoft.com/office/drawing/2014/main" id="{8AC9666C-4B76-4579-B410-98A01305AD82}"/>
               </a:ext>
             </a:extLst>
           </p:cNvPr>
@@ -3297,7 +3297,7 @@
           <p:cNvPr id="5" name="Дата 4">
             <a:extLst>
               <a:ext uri="{FF2B5EF4-FFF2-40B4-BE49-F238E27FC236}">
-                <a16:creationId xmlns:a16="http://schemas.microsoft.com/office/drawing/2014/main" xmlns="" id="{38D6BC30-B857-46EB-941D-01BDC37BEA8D}"/>
+                <a16:creationId xmlns="" xmlns:a16="http://schemas.microsoft.com/office/drawing/2014/main" id="{38D6BC30-B857-46EB-941D-01BDC37BEA8D}"/>
               </a:ext>
             </a:extLst>
           </p:cNvPr>
@@ -3326,7 +3326,7 @@
           <p:cNvPr id="6" name="Нижний колонтитул 5">
             <a:extLst>
               <a:ext uri="{FF2B5EF4-FFF2-40B4-BE49-F238E27FC236}">
-                <a16:creationId xmlns:a16="http://schemas.microsoft.com/office/drawing/2014/main" xmlns="" id="{26D3B6F0-783A-4514-AABB-82CC2CDA8961}"/>
+                <a16:creationId xmlns="" xmlns:a16="http://schemas.microsoft.com/office/drawing/2014/main" id="{26D3B6F0-783A-4514-AABB-82CC2CDA8961}"/>
               </a:ext>
             </a:extLst>
           </p:cNvPr>
@@ -3351,7 +3351,7 @@
           <p:cNvPr id="7" name="Номер слайда 6">
             <a:extLst>
               <a:ext uri="{FF2B5EF4-FFF2-40B4-BE49-F238E27FC236}">
-                <a16:creationId xmlns:a16="http://schemas.microsoft.com/office/drawing/2014/main" xmlns="" id="{39F9EF86-0CCC-48BA-BCEE-9CB041D79717}"/>
+                <a16:creationId xmlns="" xmlns:a16="http://schemas.microsoft.com/office/drawing/2014/main" id="{39F9EF86-0CCC-48BA-BCEE-9CB041D79717}"/>
               </a:ext>
             </a:extLst>
           </p:cNvPr>
@@ -3427,7 +3427,7 @@
           <p:cNvPr id="2" name="Заголовок 1">
             <a:extLst>
               <a:ext uri="{FF2B5EF4-FFF2-40B4-BE49-F238E27FC236}">
-                <a16:creationId xmlns:a16="http://schemas.microsoft.com/office/drawing/2014/main" xmlns="" id="{B7486B6C-DB89-4B65-8890-3F41BCA19087}"/>
+                <a16:creationId xmlns="" xmlns:a16="http://schemas.microsoft.com/office/drawing/2014/main" id="{B7486B6C-DB89-4B65-8890-3F41BCA19087}"/>
               </a:ext>
             </a:extLst>
           </p:cNvPr>
@@ -3465,7 +3465,7 @@
           <p:cNvPr id="3" name="Текст 2">
             <a:extLst>
               <a:ext uri="{FF2B5EF4-FFF2-40B4-BE49-F238E27FC236}">
-                <a16:creationId xmlns:a16="http://schemas.microsoft.com/office/drawing/2014/main" xmlns="" id="{C025A32D-EC47-40EA-9EB3-90CEFC9B8B26}"/>
+                <a16:creationId xmlns="" xmlns:a16="http://schemas.microsoft.com/office/drawing/2014/main" id="{C025A32D-EC47-40EA-9EB3-90CEFC9B8B26}"/>
               </a:ext>
             </a:extLst>
           </p:cNvPr>
@@ -3532,7 +3532,7 @@
           <p:cNvPr id="4" name="Дата 3">
             <a:extLst>
               <a:ext uri="{FF2B5EF4-FFF2-40B4-BE49-F238E27FC236}">
-                <a16:creationId xmlns:a16="http://schemas.microsoft.com/office/drawing/2014/main" xmlns="" id="{E849C42D-AA86-41F3-8F40-30BFCF8BEF62}"/>
+                <a16:creationId xmlns="" xmlns:a16="http://schemas.microsoft.com/office/drawing/2014/main" id="{E849C42D-AA86-41F3-8F40-30BFCF8BEF62}"/>
               </a:ext>
             </a:extLst>
           </p:cNvPr>
@@ -3581,7 +3581,7 @@
           <p:cNvPr id="5" name="Нижний колонтитул 4">
             <a:extLst>
               <a:ext uri="{FF2B5EF4-FFF2-40B4-BE49-F238E27FC236}">
-                <a16:creationId xmlns:a16="http://schemas.microsoft.com/office/drawing/2014/main" xmlns="" id="{3C77A0E1-F9E2-4264-A086-5A0CE3B2DB5C}"/>
+                <a16:creationId xmlns="" xmlns:a16="http://schemas.microsoft.com/office/drawing/2014/main" id="{3C77A0E1-F9E2-4264-A086-5A0CE3B2DB5C}"/>
               </a:ext>
             </a:extLst>
           </p:cNvPr>
@@ -3625,7 +3625,7 @@
           <p:cNvPr id="6" name="Номер слайда 5">
             <a:extLst>
               <a:ext uri="{FF2B5EF4-FFF2-40B4-BE49-F238E27FC236}">
-                <a16:creationId xmlns:a16="http://schemas.microsoft.com/office/drawing/2014/main" xmlns="" id="{B1FBFFC9-8184-448F-BE0D-004D95310C30}"/>
+                <a16:creationId xmlns="" xmlns:a16="http://schemas.microsoft.com/office/drawing/2014/main" id="{B1FBFFC9-8184-448F-BE0D-004D95310C30}"/>
               </a:ext>
             </a:extLst>
           </p:cNvPr>
@@ -3674,7 +3674,7 @@
           <p:cNvPr id="23" name="Рисунок 22">
             <a:extLst>
               <a:ext uri="{FF2B5EF4-FFF2-40B4-BE49-F238E27FC236}">
-                <a16:creationId xmlns:a16="http://schemas.microsoft.com/office/drawing/2014/main" xmlns="" id="{7FAC7F4E-5DFC-4BC7-82F9-57BA80592E56}"/>
+                <a16:creationId xmlns="" xmlns:a16="http://schemas.microsoft.com/office/drawing/2014/main" id="{7FAC7F4E-5DFC-4BC7-82F9-57BA80592E56}"/>
               </a:ext>
             </a:extLst>
           </p:cNvPr>
@@ -4043,7 +4043,7 @@
           <p:cNvPr id="5" name="Заголовок 4">
             <a:extLst>
               <a:ext uri="{FF2B5EF4-FFF2-40B4-BE49-F238E27FC236}">
-                <a16:creationId xmlns:a16="http://schemas.microsoft.com/office/drawing/2014/main" xmlns="" id="{F293591A-3406-4B8B-ACCE-786C54EACEE1}"/>
+                <a16:creationId xmlns="" xmlns:a16="http://schemas.microsoft.com/office/drawing/2014/main" id="{F293591A-3406-4B8B-ACCE-786C54EACEE1}"/>
               </a:ext>
             </a:extLst>
           </p:cNvPr>
@@ -4090,7 +4090,7 @@
           <p:cNvPr id="7" name="Подзаголовок 6">
             <a:extLst>
               <a:ext uri="{FF2B5EF4-FFF2-40B4-BE49-F238E27FC236}">
-                <a16:creationId xmlns:a16="http://schemas.microsoft.com/office/drawing/2014/main" xmlns="" id="{9FE492B8-05AD-4768-A4ED-592D209E6A30}"/>
+                <a16:creationId xmlns="" xmlns:a16="http://schemas.microsoft.com/office/drawing/2014/main" id="{9FE492B8-05AD-4768-A4ED-592D209E6A30}"/>
               </a:ext>
             </a:extLst>
           </p:cNvPr>
@@ -4103,7 +4103,9 @@
         </p:nvSpPr>
         <p:spPr/>
         <p:txBody>
-          <a:bodyPr/>
+          <a:bodyPr>
+            <a:normAutofit lnSpcReduction="10000"/>
+          </a:bodyPr>
           <a:lstStyle/>
           <a:p>
             <a:endParaRPr lang="ru-RU" dirty="0">
@@ -4165,15 +4167,26 @@
                 <a:latin typeface="Segoe UI Light" panose="020B0502040204020203" pitchFamily="34" charset="0"/>
                 <a:cs typeface="Segoe UI Light" panose="020B0502040204020203" pitchFamily="34" charset="0"/>
               </a:rPr>
-              <a:t>,  </a:t>
-            </a:r>
-            <a:r>
-              <a:rPr lang="ru-RU" dirty="0">
+              <a:t>, </a:t>
+            </a:r>
+            <a:r>
+              <a:rPr lang="ru-RU" dirty="0" err="1" smtClean="0">
                 <a:latin typeface="Segoe UI Light" panose="020B0502040204020203" pitchFamily="34" charset="0"/>
                 <a:cs typeface="Segoe UI Light" panose="020B0502040204020203" pitchFamily="34" charset="0"/>
               </a:rPr>
-              <a:t>Лицей №1523</a:t>
-            </a:r>
+              <a:t>Предуниверситарий</a:t>
+            </a:r>
+            <a:r>
+              <a:rPr lang="ru-RU" dirty="0" smtClean="0">
+                <a:latin typeface="Segoe UI Light" panose="020B0502040204020203" pitchFamily="34" charset="0"/>
+                <a:cs typeface="Segoe UI Light" panose="020B0502040204020203" pitchFamily="34" charset="0"/>
+              </a:rPr>
+              <a:t> НИЯУ МИФИ</a:t>
+            </a:r>
+            <a:endParaRPr lang="ru-RU" dirty="0">
+              <a:latin typeface="Segoe UI Light" panose="020B0502040204020203" pitchFamily="34" charset="0"/>
+              <a:cs typeface="Segoe UI Light" panose="020B0502040204020203" pitchFamily="34" charset="0"/>
+            </a:endParaRPr>
           </a:p>
         </p:txBody>
       </p:sp>
